--- a/Sem-6/Data Engineering/Lec_1_Introduction to MongoDB.pptx
+++ b/Sem-6/Data Engineering/Lec_1_Introduction to MongoDB.pptx
@@ -14009,8 +14009,8 @@
         </p:nvSpPr>
         <p:spPr>
           <a:xfrm>
-            <a:off x="228600" y="152400"/>
-            <a:ext cx="8763000" cy="838200"/>
+            <a:off x="-755015" y="0"/>
+            <a:ext cx="10654030" cy="838200"/>
           </a:xfrm>
         </p:spPr>
         <p:txBody>
